--- a/simulation_studies/simulation_results_r0_r1_maker.pptx
+++ b/simulation_studies/simulation_results_r0_r1_maker.pptx
@@ -107,6 +107,11 @@
       </a:defRPr>
     </a:lvl9pPr>
   </p:defaultTextStyle>
+  <p:extLst>
+    <p:ext uri="{EFAFB233-063F-42B5-8137-9DF3F51BA10A}">
+      <p15:sldGuideLst xmlns:p15="http://schemas.microsoft.com/office/powerpoint/2012/main"/>
+    </p:ext>
+  </p:extLst>
 </p:presentation>
 </file>
 
@@ -192,7 +197,7 @@
           <a:p>
             <a:fld id="{73CC40EA-1CA4-DF41-AAA3-35FB11D8A2F3}" type="datetimeFigureOut">
               <a:rPr lang="nl-NL" smtClean="0"/>
-              <a:t>17-11-2023</a:t>
+              <a:t>29-11-2023</a:t>
             </a:fld>
             <a:endParaRPr lang="nl-NL"/>
           </a:p>
@@ -690,7 +695,7 @@
           <a:p>
             <a:fld id="{3238FBBE-37C8-6946-A436-E5A3352FB412}" type="datetimeFigureOut">
               <a:rPr lang="nl-NL" smtClean="0"/>
-              <a:t>17-11-2023</a:t>
+              <a:t>29-11-2023</a:t>
             </a:fld>
             <a:endParaRPr lang="nl-NL"/>
           </a:p>
@@ -888,7 +893,7 @@
           <a:p>
             <a:fld id="{3238FBBE-37C8-6946-A436-E5A3352FB412}" type="datetimeFigureOut">
               <a:rPr lang="nl-NL" smtClean="0"/>
-              <a:t>17-11-2023</a:t>
+              <a:t>29-11-2023</a:t>
             </a:fld>
             <a:endParaRPr lang="nl-NL"/>
           </a:p>
@@ -1096,7 +1101,7 @@
           <a:p>
             <a:fld id="{3238FBBE-37C8-6946-A436-E5A3352FB412}" type="datetimeFigureOut">
               <a:rPr lang="nl-NL" smtClean="0"/>
-              <a:t>17-11-2023</a:t>
+              <a:t>29-11-2023</a:t>
             </a:fld>
             <a:endParaRPr lang="nl-NL"/>
           </a:p>
@@ -1294,7 +1299,7 @@
           <a:p>
             <a:fld id="{3238FBBE-37C8-6946-A436-E5A3352FB412}" type="datetimeFigureOut">
               <a:rPr lang="nl-NL" smtClean="0"/>
-              <a:t>17-11-2023</a:t>
+              <a:t>29-11-2023</a:t>
             </a:fld>
             <a:endParaRPr lang="nl-NL"/>
           </a:p>
@@ -1569,7 +1574,7 @@
           <a:p>
             <a:fld id="{3238FBBE-37C8-6946-A436-E5A3352FB412}" type="datetimeFigureOut">
               <a:rPr lang="nl-NL" smtClean="0"/>
-              <a:t>17-11-2023</a:t>
+              <a:t>29-11-2023</a:t>
             </a:fld>
             <a:endParaRPr lang="nl-NL"/>
           </a:p>
@@ -1834,7 +1839,7 @@
           <a:p>
             <a:fld id="{3238FBBE-37C8-6946-A436-E5A3352FB412}" type="datetimeFigureOut">
               <a:rPr lang="nl-NL" smtClean="0"/>
-              <a:t>17-11-2023</a:t>
+              <a:t>29-11-2023</a:t>
             </a:fld>
             <a:endParaRPr lang="nl-NL"/>
           </a:p>
@@ -2246,7 +2251,7 @@
           <a:p>
             <a:fld id="{3238FBBE-37C8-6946-A436-E5A3352FB412}" type="datetimeFigureOut">
               <a:rPr lang="nl-NL" smtClean="0"/>
-              <a:t>17-11-2023</a:t>
+              <a:t>29-11-2023</a:t>
             </a:fld>
             <a:endParaRPr lang="nl-NL"/>
           </a:p>
@@ -2387,7 +2392,7 @@
           <a:p>
             <a:fld id="{3238FBBE-37C8-6946-A436-E5A3352FB412}" type="datetimeFigureOut">
               <a:rPr lang="nl-NL" smtClean="0"/>
-              <a:t>17-11-2023</a:t>
+              <a:t>29-11-2023</a:t>
             </a:fld>
             <a:endParaRPr lang="nl-NL"/>
           </a:p>
@@ -2500,7 +2505,7 @@
           <a:p>
             <a:fld id="{3238FBBE-37C8-6946-A436-E5A3352FB412}" type="datetimeFigureOut">
               <a:rPr lang="nl-NL" smtClean="0"/>
-              <a:t>17-11-2023</a:t>
+              <a:t>29-11-2023</a:t>
             </a:fld>
             <a:endParaRPr lang="nl-NL"/>
           </a:p>
@@ -2811,7 +2816,7 @@
           <a:p>
             <a:fld id="{3238FBBE-37C8-6946-A436-E5A3352FB412}" type="datetimeFigureOut">
               <a:rPr lang="nl-NL" smtClean="0"/>
-              <a:t>17-11-2023</a:t>
+              <a:t>29-11-2023</a:t>
             </a:fld>
             <a:endParaRPr lang="nl-NL"/>
           </a:p>
@@ -3099,7 +3104,7 @@
           <a:p>
             <a:fld id="{3238FBBE-37C8-6946-A436-E5A3352FB412}" type="datetimeFigureOut">
               <a:rPr lang="nl-NL" smtClean="0"/>
-              <a:t>17-11-2023</a:t>
+              <a:t>29-11-2023</a:t>
             </a:fld>
             <a:endParaRPr lang="nl-NL"/>
           </a:p>
@@ -3340,7 +3345,7 @@
           <a:p>
             <a:fld id="{3238FBBE-37C8-6946-A436-E5A3352FB412}" type="datetimeFigureOut">
               <a:rPr lang="nl-NL" smtClean="0"/>
-              <a:t>17-11-2023</a:t>
+              <a:t>29-11-2023</a:t>
             </a:fld>
             <a:endParaRPr lang="nl-NL"/>
           </a:p>
@@ -3757,12 +3762,59 @@
           <a:chExt cx="0" cy="0"/>
         </a:xfrm>
       </p:grpSpPr>
+      <p:sp>
+        <p:nvSpPr>
+          <p:cNvPr id="8" name="Tekstvak 7">
+            <a:extLst>
+              <a:ext uri="{FF2B5EF4-FFF2-40B4-BE49-F238E27FC236}">
+                <a16:creationId xmlns:a16="http://schemas.microsoft.com/office/drawing/2014/main" id="{A0F5DB4F-AD44-1AC6-F686-8B46062CC14A}"/>
+              </a:ext>
+            </a:extLst>
+          </p:cNvPr>
+          <p:cNvSpPr txBox="1"/>
+          <p:nvPr/>
+        </p:nvSpPr>
+        <p:spPr>
+          <a:xfrm>
+            <a:off x="4305208" y="6791904"/>
+            <a:ext cx="3978269" cy="307777"/>
+          </a:xfrm>
+          <a:prstGeom prst="rect">
+            <a:avLst/>
+          </a:prstGeom>
+          <a:noFill/>
+        </p:spPr>
+        <p:txBody>
+          <a:bodyPr wrap="none" rtlCol="0">
+            <a:spAutoFit/>
+          </a:bodyPr>
+          <a:lstStyle/>
+          <a:p>
+            <a:r>
+              <a:rPr lang="nl-NL" sz="1400" dirty="0" err="1"/>
+              <a:t>number</a:t>
+            </a:r>
+            <a:r>
+              <a:rPr lang="nl-NL" sz="1400" dirty="0"/>
+              <a:t> of time points – </a:t>
+            </a:r>
+            <a:r>
+              <a:rPr lang="nl-NL" sz="1400" dirty="0" err="1"/>
+              <a:t>number</a:t>
+            </a:r>
+            <a:r>
+              <a:rPr lang="nl-NL" sz="1400" dirty="0"/>
+              <a:t> of regime switches</a:t>
+            </a:r>
+          </a:p>
+        </p:txBody>
+      </p:sp>
       <p:pic>
         <p:nvPicPr>
-          <p:cNvPr id="5" name="Afbeelding 4">
-            <a:extLst>
-              <a:ext uri="{FF2B5EF4-FFF2-40B4-BE49-F238E27FC236}">
-                <a16:creationId xmlns:a16="http://schemas.microsoft.com/office/drawing/2014/main" id="{066A4964-CD95-BDAC-9C98-744183AB2D89}"/>
+          <p:cNvPr id="3" name="Afbeelding 2">
+            <a:extLst>
+              <a:ext uri="{FF2B5EF4-FFF2-40B4-BE49-F238E27FC236}">
+                <a16:creationId xmlns:a16="http://schemas.microsoft.com/office/drawing/2014/main" id="{F8B66077-254B-FA9C-D19B-C023F98E9690}"/>
               </a:ext>
             </a:extLst>
           </p:cNvPr>
@@ -3779,7 +3831,7 @@
         </p:blipFill>
         <p:spPr>
           <a:xfrm>
-            <a:off x="2408143" y="-727737"/>
+            <a:off x="2510011" y="3133717"/>
             <a:ext cx="7772400" cy="3812076"/>
           </a:xfrm>
           <a:prstGeom prst="rect">
@@ -3789,10 +3841,10 @@
       </p:pic>
       <p:pic>
         <p:nvPicPr>
-          <p:cNvPr id="7" name="Afbeelding 6">
-            <a:extLst>
-              <a:ext uri="{FF2B5EF4-FFF2-40B4-BE49-F238E27FC236}">
-                <a16:creationId xmlns:a16="http://schemas.microsoft.com/office/drawing/2014/main" id="{198648DA-3D44-6817-21AF-56E6BD42E0A3}"/>
+          <p:cNvPr id="6" name="Afbeelding 5">
+            <a:extLst>
+              <a:ext uri="{FF2B5EF4-FFF2-40B4-BE49-F238E27FC236}">
+                <a16:creationId xmlns:a16="http://schemas.microsoft.com/office/drawing/2014/main" id="{0CFC7B49-FF51-1E30-2D6B-37A0597DA0AC}"/>
               </a:ext>
             </a:extLst>
           </p:cNvPr>
@@ -3809,7 +3861,7 @@
         </p:blipFill>
         <p:spPr>
           <a:xfrm>
-            <a:off x="2408143" y="3045924"/>
+            <a:off x="2510011" y="-524471"/>
             <a:ext cx="7772400" cy="3812076"/>
           </a:xfrm>
           <a:prstGeom prst="rect">
@@ -3817,53 +3869,6 @@
           </a:prstGeom>
         </p:spPr>
       </p:pic>
-      <p:sp>
-        <p:nvSpPr>
-          <p:cNvPr id="8" name="Tekstvak 7">
-            <a:extLst>
-              <a:ext uri="{FF2B5EF4-FFF2-40B4-BE49-F238E27FC236}">
-                <a16:creationId xmlns:a16="http://schemas.microsoft.com/office/drawing/2014/main" id="{A0F5DB4F-AD44-1AC6-F686-8B46062CC14A}"/>
-              </a:ext>
-            </a:extLst>
-          </p:cNvPr>
-          <p:cNvSpPr txBox="1"/>
-          <p:nvPr/>
-        </p:nvSpPr>
-        <p:spPr>
-          <a:xfrm>
-            <a:off x="4305208" y="6791904"/>
-            <a:ext cx="3978269" cy="307777"/>
-          </a:xfrm>
-          <a:prstGeom prst="rect">
-            <a:avLst/>
-          </a:prstGeom>
-          <a:noFill/>
-        </p:spPr>
-        <p:txBody>
-          <a:bodyPr wrap="none" rtlCol="0">
-            <a:spAutoFit/>
-          </a:bodyPr>
-          <a:lstStyle/>
-          <a:p>
-            <a:r>
-              <a:rPr lang="nl-NL" sz="1400" dirty="0" err="1"/>
-              <a:t>number</a:t>
-            </a:r>
-            <a:r>
-              <a:rPr lang="nl-NL" sz="1400" dirty="0"/>
-              <a:t> of time points – </a:t>
-            </a:r>
-            <a:r>
-              <a:rPr lang="nl-NL" sz="1400" dirty="0" err="1"/>
-              <a:t>number</a:t>
-            </a:r>
-            <a:r>
-              <a:rPr lang="nl-NL" sz="1400" dirty="0"/>
-              <a:t> of regime switches</a:t>
-            </a:r>
-          </a:p>
-        </p:txBody>
-      </p:sp>
     </p:spTree>
     <p:extLst>
       <p:ext uri="{BB962C8B-B14F-4D97-AF65-F5344CB8AC3E}">
